--- a/Back-End/PHP/PHP 시작하기.pptx
+++ b/Back-End/PHP/PHP 시작하기.pptx
@@ -5,10 +5,10 @@
     <p:sldMasterId id="2147483659" r:id="rId1"/>
   </p:sldMasterIdLst>
   <p:notesMasterIdLst>
-    <p:notesMasterId r:id="rId8"/>
+    <p:notesMasterId r:id="rId11"/>
   </p:notesMasterIdLst>
   <p:handoutMasterIdLst>
-    <p:handoutMasterId r:id="rId9"/>
+    <p:handoutMasterId r:id="rId12"/>
   </p:handoutMasterIdLst>
   <p:sldIdLst>
     <p:sldId id="615" r:id="rId2"/>
@@ -17,6 +17,9 @@
     <p:sldId id="1125" r:id="rId5"/>
     <p:sldId id="1126" r:id="rId6"/>
     <p:sldId id="1127" r:id="rId7"/>
+    <p:sldId id="1128" r:id="rId8"/>
+    <p:sldId id="1130" r:id="rId9"/>
+    <p:sldId id="1129" r:id="rId10"/>
   </p:sldIdLst>
   <p:sldSz cx="9144000" cy="6858000" type="screen4x3"/>
   <p:notesSz cx="6865938" cy="9998075"/>
@@ -249,7 +252,7 @@
           <a:p>
             <a:fld id="{0701E38F-D71B-4628-B377-F26FA834EB07}" type="datetimeFigureOut">
               <a:rPr lang="ko-KR" altLang="en-US" smtClean="0"/>
-              <a:t>2022-12-07</a:t>
+              <a:t>2022-12-21</a:t>
             </a:fld>
             <a:endParaRPr lang="ko-KR" altLang="en-US"/>
           </a:p>
@@ -415,7 +418,7 @@
             <a:fld id="{BC75A1C1-99F9-4ED1-B968-97F8F766565C}" type="datetimeFigureOut">
               <a:rPr lang="ko-KR" altLang="en-US" smtClean="0"/>
               <a:pPr/>
-              <a:t>2022-12-07</a:t>
+              <a:t>2022-12-21</a:t>
             </a:fld>
             <a:endParaRPr lang="ko-KR" altLang="en-US"/>
           </a:p>
@@ -5922,6 +5925,15 @@
               <a:buChar char="Ø"/>
             </a:pPr>
             <a:r>
+              <a:rPr lang="en-US" altLang="ko-KR" sz="2000" dirty="0" smtClean="0">
+                <a:solidFill>
+                  <a:srgbClr val="0000FF"/>
+                </a:solidFill>
+                <a:latin typeface="+mn-ea"/>
+              </a:rPr>
+              <a:t>PHP </a:t>
+            </a:r>
+            <a:r>
               <a:rPr lang="ko-KR" altLang="en-US" sz="2000" dirty="0" smtClean="0">
                 <a:solidFill>
                   <a:srgbClr val="0000FF"/>
@@ -5946,11 +5958,14 @@
               <a:buChar char="•"/>
             </a:pPr>
             <a:r>
-              <a:rPr lang="en-US" altLang="ko-KR" sz="1600" dirty="0" smtClean="0">
-                <a:latin typeface="+mn-ea"/>
-              </a:rPr>
-              <a:t>php.ini</a:t>
-            </a:r>
+              <a:rPr lang="ko-KR" altLang="en-US" sz="1600" dirty="0" smtClean="0">
+                <a:latin typeface="+mn-ea"/>
+              </a:rPr>
+              <a:t>환경 변수 등록</a:t>
+            </a:r>
+            <a:endParaRPr lang="en-US" altLang="ko-KR" sz="1600" dirty="0" smtClean="0">
+              <a:latin typeface="+mn-ea"/>
+            </a:endParaRPr>
           </a:p>
           <a:p>
             <a:pPr marL="1200150" lvl="2" indent="-285750" latinLnBrk="0">
@@ -5961,29 +5976,17 @@
               <a:buChar char="ü"/>
             </a:pPr>
             <a:r>
-              <a:rPr lang="en-US" altLang="ko-KR" sz="1400" dirty="0" err="1">
-                <a:solidFill>
-                  <a:srgbClr val="FF0000"/>
-                </a:solidFill>
-                <a:latin typeface="+mn-ea"/>
-              </a:rPr>
-              <a:t>display_errors</a:t>
-            </a:r>
-            <a:r>
-              <a:rPr lang="en-US" altLang="ko-KR" sz="1400" dirty="0">
-                <a:solidFill>
-                  <a:srgbClr val="FF0000"/>
-                </a:solidFill>
-                <a:latin typeface="+mn-ea"/>
-              </a:rPr>
-              <a:t> = On</a:t>
-            </a:r>
-            <a:endParaRPr lang="en-US" altLang="ko-KR" sz="1400" dirty="0" smtClean="0">
-              <a:solidFill>
-                <a:srgbClr val="FF0000"/>
-              </a:solidFill>
-              <a:latin typeface="+mn-ea"/>
-            </a:endParaRPr>
+              <a:rPr lang="en-US" altLang="ko-KR" sz="1400" dirty="0">
+                <a:latin typeface="+mn-ea"/>
+              </a:rPr>
+              <a:t>C:\</a:t>
+            </a:r>
+            <a:r>
+              <a:rPr lang="en-US" altLang="ko-KR" sz="1400" dirty="0" smtClean="0">
+                <a:latin typeface="+mn-ea"/>
+              </a:rPr>
+              <a:t>php-8.2.0-nts-Win32-vs16-x64</a:t>
+            </a:r>
           </a:p>
           <a:p>
             <a:pPr marL="1200150" lvl="2" indent="-285750" latinLnBrk="0">
@@ -5993,24 +5996,27 @@
               <a:buFont typeface="Wingdings" panose="05000000000000000000" pitchFamily="2" charset="2"/>
               <a:buChar char="ü"/>
             </a:pPr>
-            <a:r>
-              <a:rPr lang="en-US" altLang="ko-KR" sz="1400" dirty="0" err="1" smtClean="0">
-                <a:solidFill>
-                  <a:srgbClr val="FF0000"/>
-                </a:solidFill>
-                <a:latin typeface="+mn-ea"/>
-              </a:rPr>
-              <a:t>opcache.enable</a:t>
-            </a:r>
-            <a:r>
-              <a:rPr lang="en-US" altLang="ko-KR" sz="1400" dirty="0" smtClean="0">
-                <a:solidFill>
-                  <a:srgbClr val="FF0000"/>
-                </a:solidFill>
-                <a:latin typeface="+mn-ea"/>
-              </a:rPr>
-              <a:t> = 0</a:t>
-            </a:r>
+            <a:endParaRPr lang="en-US" altLang="ko-KR" sz="1400" dirty="0" smtClean="0">
+              <a:latin typeface="+mn-ea"/>
+            </a:endParaRPr>
+          </a:p>
+          <a:p>
+            <a:pPr marL="742950" lvl="1" indent="-285750" latinLnBrk="0">
+              <a:lnSpc>
+                <a:spcPct val="150000"/>
+              </a:lnSpc>
+              <a:buFont typeface="Arial" panose="020B0604020202020204" pitchFamily="34" charset="0"/>
+              <a:buChar char="•"/>
+            </a:pPr>
+            <a:r>
+              <a:rPr lang="en-US" altLang="ko-KR" sz="1600" dirty="0" smtClean="0">
+                <a:latin typeface="+mn-ea"/>
+              </a:rPr>
+              <a:t>php.ini</a:t>
+            </a:r>
+            <a:endParaRPr lang="en-US" altLang="ko-KR" sz="1600" dirty="0" smtClean="0">
+              <a:latin typeface="+mn-ea"/>
+            </a:endParaRPr>
           </a:p>
           <a:p>
             <a:pPr marL="1200150" lvl="2" indent="-285750" latinLnBrk="0">
@@ -6021,23 +6027,192 @@
               <a:buChar char="ü"/>
             </a:pPr>
             <a:r>
-              <a:rPr lang="en-US" altLang="ko-KR" sz="1400" dirty="0">
+              <a:rPr lang="en-US" altLang="ko-KR" sz="1400" dirty="0" err="1">
                 <a:solidFill>
-                  <a:srgbClr val="FF0000"/>
+                  <a:schemeClr val="tx1"/>
                 </a:solidFill>
                 <a:latin typeface="+mn-ea"/>
               </a:rPr>
-              <a:t>C:\</a:t>
+              <a:t>display_errors</a:t>
+            </a:r>
+            <a:r>
+              <a:rPr lang="en-US" altLang="ko-KR" sz="1400" dirty="0">
+                <a:solidFill>
+                  <a:schemeClr val="tx1"/>
+                </a:solidFill>
+                <a:latin typeface="+mn-ea"/>
+              </a:rPr>
+              <a:t> = On</a:t>
+            </a:r>
+            <a:endParaRPr lang="en-US" altLang="ko-KR" sz="1400" dirty="0" smtClean="0">
+              <a:solidFill>
+                <a:schemeClr val="tx1"/>
+              </a:solidFill>
+              <a:latin typeface="+mn-ea"/>
+            </a:endParaRPr>
+          </a:p>
+          <a:p>
+            <a:pPr marL="1200150" lvl="2" indent="-285750" latinLnBrk="0">
+              <a:lnSpc>
+                <a:spcPct val="150000"/>
+              </a:lnSpc>
+              <a:buFont typeface="Wingdings" panose="05000000000000000000" pitchFamily="2" charset="2"/>
+              <a:buChar char="ü"/>
+            </a:pPr>
+            <a:r>
+              <a:rPr lang="en-US" altLang="ko-KR" sz="1400" dirty="0" err="1" smtClean="0">
+                <a:solidFill>
+                  <a:schemeClr val="tx1"/>
+                </a:solidFill>
+                <a:latin typeface="+mn-ea"/>
+              </a:rPr>
+              <a:t>opcache.enable</a:t>
             </a:r>
             <a:r>
               <a:rPr lang="en-US" altLang="ko-KR" sz="1400" dirty="0" smtClean="0">
                 <a:solidFill>
-                  <a:srgbClr val="FF0000"/>
+                  <a:schemeClr val="tx1"/>
                 </a:solidFill>
                 <a:latin typeface="+mn-ea"/>
               </a:rPr>
+              <a:t> = 0</a:t>
+            </a:r>
+          </a:p>
+          <a:p>
+            <a:pPr marL="1200150" lvl="2" indent="-285750" latinLnBrk="0">
+              <a:lnSpc>
+                <a:spcPct val="150000"/>
+              </a:lnSpc>
+              <a:buFont typeface="Wingdings" panose="05000000000000000000" pitchFamily="2" charset="2"/>
+              <a:buChar char="ü"/>
+            </a:pPr>
+            <a:r>
+              <a:rPr lang="en-US" altLang="ko-KR" sz="1400" dirty="0">
+                <a:solidFill>
+                  <a:schemeClr val="tx1"/>
+                </a:solidFill>
+                <a:latin typeface="+mn-ea"/>
+              </a:rPr>
+              <a:t>C:\</a:t>
+            </a:r>
+            <a:r>
+              <a:rPr lang="en-US" altLang="ko-KR" sz="1400" dirty="0" smtClean="0">
+                <a:solidFill>
+                  <a:schemeClr val="tx1"/>
+                </a:solidFill>
+                <a:latin typeface="+mn-ea"/>
+              </a:rPr>
               <a:t>Bitnami\wampstack-7.4.11-0\apache2\logs\error.log</a:t>
             </a:r>
+          </a:p>
+          <a:p>
+            <a:pPr lvl="2" latinLnBrk="0">
+              <a:lnSpc>
+                <a:spcPct val="150000"/>
+              </a:lnSpc>
+            </a:pPr>
+            <a:endParaRPr lang="en-US" altLang="ko-KR" sz="1400" dirty="0" smtClean="0">
+              <a:solidFill>
+                <a:srgbClr val="FF0000"/>
+              </a:solidFill>
+              <a:latin typeface="+mn-ea"/>
+            </a:endParaRPr>
+          </a:p>
+          <a:p>
+            <a:pPr marL="1200150" lvl="2" indent="-285750" latinLnBrk="0">
+              <a:lnSpc>
+                <a:spcPct val="150000"/>
+              </a:lnSpc>
+              <a:buFont typeface="Wingdings" panose="05000000000000000000" pitchFamily="2" charset="2"/>
+              <a:buChar char="ü"/>
+            </a:pPr>
+            <a:r>
+              <a:rPr lang="en-US" altLang="ko-KR" sz="1400" dirty="0">
+                <a:solidFill>
+                  <a:srgbClr val="00B0F0"/>
+                </a:solidFill>
+                <a:latin typeface="+mn-ea"/>
+              </a:rPr>
+              <a:t>[</a:t>
+            </a:r>
+            <a:r>
+              <a:rPr lang="en-US" altLang="ko-KR" sz="1400" dirty="0" err="1">
+                <a:solidFill>
+                  <a:srgbClr val="00B0F0"/>
+                </a:solidFill>
+                <a:latin typeface="+mn-ea"/>
+              </a:rPr>
+              <a:t>XDebug</a:t>
+            </a:r>
+            <a:r>
+              <a:rPr lang="en-US" altLang="ko-KR" sz="1400" dirty="0">
+                <a:solidFill>
+                  <a:srgbClr val="00B0F0"/>
+                </a:solidFill>
+                <a:latin typeface="+mn-ea"/>
+              </a:rPr>
+              <a:t>]</a:t>
+            </a:r>
+          </a:p>
+          <a:p>
+            <a:pPr marL="1200150" lvl="2" indent="-285750" latinLnBrk="0">
+              <a:lnSpc>
+                <a:spcPct val="150000"/>
+              </a:lnSpc>
+              <a:buFont typeface="Wingdings" panose="05000000000000000000" pitchFamily="2" charset="2"/>
+              <a:buChar char="ü"/>
+            </a:pPr>
+            <a:r>
+              <a:rPr lang="en-US" altLang="ko-KR" sz="1400" dirty="0" err="1">
+                <a:solidFill>
+                  <a:srgbClr val="00B0F0"/>
+                </a:solidFill>
+                <a:latin typeface="+mn-ea"/>
+              </a:rPr>
+              <a:t>xdebug.remote_enable</a:t>
+            </a:r>
+            <a:r>
+              <a:rPr lang="en-US" altLang="ko-KR" sz="1400" dirty="0">
+                <a:solidFill>
+                  <a:srgbClr val="00B0F0"/>
+                </a:solidFill>
+                <a:latin typeface="+mn-ea"/>
+              </a:rPr>
+              <a:t> = 1</a:t>
+            </a:r>
+          </a:p>
+          <a:p>
+            <a:pPr marL="1200150" lvl="2" indent="-285750" latinLnBrk="0">
+              <a:lnSpc>
+                <a:spcPct val="150000"/>
+              </a:lnSpc>
+              <a:buFont typeface="Wingdings" panose="05000000000000000000" pitchFamily="2" charset="2"/>
+              <a:buChar char="ü"/>
+            </a:pPr>
+            <a:r>
+              <a:rPr lang="en-US" altLang="ko-KR" sz="1400" dirty="0" err="1">
+                <a:solidFill>
+                  <a:srgbClr val="00B0F0"/>
+                </a:solidFill>
+                <a:latin typeface="+mn-ea"/>
+              </a:rPr>
+              <a:t>xdebug.remote_autostart</a:t>
+            </a:r>
+            <a:r>
+              <a:rPr lang="en-US" altLang="ko-KR" sz="1400" dirty="0">
+                <a:solidFill>
+                  <a:srgbClr val="00B0F0"/>
+                </a:solidFill>
+                <a:latin typeface="+mn-ea"/>
+              </a:rPr>
+              <a:t> = 1</a:t>
+            </a:r>
+            <a:endParaRPr lang="en-US" altLang="ko-KR" sz="1400" dirty="0" smtClean="0">
+              <a:solidFill>
+                <a:srgbClr val="00B0F0"/>
+              </a:solidFill>
+              <a:latin typeface="+mn-ea"/>
+            </a:endParaRPr>
           </a:p>
         </p:txBody>
       </p:sp>
@@ -6045,6 +6220,1056 @@
     <p:extLst>
       <p:ext uri="{BB962C8B-B14F-4D97-AF65-F5344CB8AC3E}">
         <p14:creationId xmlns:p14="http://schemas.microsoft.com/office/powerpoint/2010/main" val="3999595878"/>
+      </p:ext>
+    </p:extLst>
+  </p:cSld>
+  <p:clrMapOvr>
+    <a:masterClrMapping/>
+  </p:clrMapOvr>
+  <p:timing>
+    <p:tnLst>
+      <p:par>
+        <p:cTn id="1" dur="indefinite" restart="never" nodeType="tmRoot"/>
+      </p:par>
+    </p:tnLst>
+  </p:timing>
+</p:sld>
+</file>
+
+<file path=ppt/slides/slide7.xml><?xml version="1.0" encoding="utf-8"?>
+<p:sld xmlns:a="http://schemas.openxmlformats.org/drawingml/2006/main" xmlns:r="http://schemas.openxmlformats.org/officeDocument/2006/relationships" xmlns:p="http://schemas.openxmlformats.org/presentationml/2006/main">
+  <p:cSld>
+    <p:spTree>
+      <p:nvGrpSpPr>
+        <p:cNvPr id="1" name=""/>
+        <p:cNvGrpSpPr/>
+        <p:nvPr/>
+      </p:nvGrpSpPr>
+      <p:grpSpPr>
+        <a:xfrm>
+          <a:off x="0" y="0"/>
+          <a:ext cx="0" cy="0"/>
+          <a:chOff x="0" y="0"/>
+          <a:chExt cx="0" cy="0"/>
+        </a:xfrm>
+      </p:grpSpPr>
+      <p:sp>
+        <p:nvSpPr>
+          <p:cNvPr id="3" name="TextBox 2"/>
+          <p:cNvSpPr txBox="1"/>
+          <p:nvPr/>
+        </p:nvSpPr>
+        <p:spPr>
+          <a:xfrm>
+            <a:off x="548640" y="470346"/>
+            <a:ext cx="8055807" cy="461665"/>
+          </a:xfrm>
+          <a:prstGeom prst="rect">
+            <a:avLst/>
+          </a:prstGeom>
+          <a:noFill/>
+        </p:spPr>
+        <p:txBody>
+          <a:bodyPr wrap="square" rtlCol="0">
+            <a:spAutoFit/>
+          </a:bodyPr>
+          <a:lstStyle/>
+          <a:p>
+            <a:r>
+              <a:rPr lang="en-US" altLang="ko-KR" sz="2400" dirty="0" smtClean="0">
+                <a:latin typeface="+mn-ea"/>
+                <a:ea typeface="+mn-ea"/>
+              </a:rPr>
+              <a:t>PHP </a:t>
+            </a:r>
+            <a:r>
+              <a:rPr lang="ko-KR" altLang="en-US" sz="2400" dirty="0" smtClean="0">
+                <a:latin typeface="+mn-ea"/>
+                <a:ea typeface="+mn-ea"/>
+              </a:rPr>
+              <a:t>개발 환경</a:t>
+            </a:r>
+            <a:endParaRPr lang="ko-KR" altLang="en-US" sz="2400" dirty="0">
+              <a:latin typeface="+mn-ea"/>
+              <a:ea typeface="+mn-ea"/>
+            </a:endParaRPr>
+          </a:p>
+        </p:txBody>
+      </p:sp>
+      <p:pic>
+        <p:nvPicPr>
+          <p:cNvPr id="2" name="그림 1"/>
+          <p:cNvPicPr>
+            <a:picLocks noChangeAspect="1"/>
+          </p:cNvPicPr>
+          <p:nvPr/>
+        </p:nvPicPr>
+        <p:blipFill>
+          <a:blip r:embed="rId2" cstate="print">
+            <a:extLst>
+              <a:ext uri="{28A0092B-C50C-407E-A947-70E740481C1C}">
+                <a14:useLocalDpi xmlns:a14="http://schemas.microsoft.com/office/drawing/2010/main" val="0"/>
+              </a:ext>
+            </a:extLst>
+          </a:blip>
+          <a:stretch>
+            <a:fillRect/>
+          </a:stretch>
+        </p:blipFill>
+        <p:spPr>
+          <a:xfrm>
+            <a:off x="7596744" y="2925352"/>
+            <a:ext cx="71600" cy="71600"/>
+          </a:xfrm>
+          <a:prstGeom prst="rect">
+            <a:avLst/>
+          </a:prstGeom>
+        </p:spPr>
+      </p:pic>
+      <p:sp>
+        <p:nvSpPr>
+          <p:cNvPr id="5" name="모서리가 둥근 직사각형 4"/>
+          <p:cNvSpPr/>
+          <p:nvPr/>
+        </p:nvSpPr>
+        <p:spPr>
+          <a:xfrm>
+            <a:off x="439982" y="1251508"/>
+            <a:ext cx="8164465" cy="5345844"/>
+          </a:xfrm>
+          <a:prstGeom prst="roundRect">
+            <a:avLst>
+              <a:gd name="adj" fmla="val 8134"/>
+            </a:avLst>
+          </a:prstGeom>
+          <a:ln/>
+        </p:spPr>
+        <p:style>
+          <a:lnRef idx="2">
+            <a:schemeClr val="accent1"/>
+          </a:lnRef>
+          <a:fillRef idx="1">
+            <a:schemeClr val="lt1"/>
+          </a:fillRef>
+          <a:effectRef idx="0">
+            <a:schemeClr val="accent1"/>
+          </a:effectRef>
+          <a:fontRef idx="minor">
+            <a:schemeClr val="dk1"/>
+          </a:fontRef>
+        </p:style>
+        <p:txBody>
+          <a:bodyPr rtlCol="0" anchor="t"/>
+          <a:lstStyle/>
+          <a:p>
+            <a:pPr marL="285750" indent="-285750">
+              <a:lnSpc>
+                <a:spcPct val="150000"/>
+              </a:lnSpc>
+              <a:buFont typeface="Wingdings" panose="05000000000000000000" pitchFamily="2" charset="2"/>
+              <a:buChar char="Ø"/>
+            </a:pPr>
+            <a:r>
+              <a:rPr lang="en-US" altLang="ko-KR" sz="2000" dirty="0" smtClean="0">
+                <a:solidFill>
+                  <a:srgbClr val="0000FF"/>
+                </a:solidFill>
+                <a:latin typeface="+mn-ea"/>
+              </a:rPr>
+              <a:t>VS Code Settings</a:t>
+            </a:r>
+          </a:p>
+          <a:p>
+            <a:pPr marL="742950" lvl="1" indent="-285750" latinLnBrk="0">
+              <a:lnSpc>
+                <a:spcPct val="150000"/>
+              </a:lnSpc>
+              <a:buFont typeface="Arial" panose="020B0604020202020204" pitchFamily="34" charset="0"/>
+              <a:buChar char="•"/>
+            </a:pPr>
+            <a:r>
+              <a:rPr lang="en-US" altLang="ko-KR" sz="1600" b="1" dirty="0" err="1" smtClean="0">
+                <a:latin typeface="+mj-ea"/>
+                <a:ea typeface="+mj-ea"/>
+              </a:rPr>
+              <a:t>settings.json</a:t>
+            </a:r>
+            <a:endParaRPr lang="en-US" altLang="ko-KR" sz="1600" dirty="0" smtClean="0">
+              <a:latin typeface="+mj-ea"/>
+              <a:ea typeface="+mj-ea"/>
+            </a:endParaRPr>
+          </a:p>
+          <a:p>
+            <a:pPr lvl="2" latinLnBrk="0">
+              <a:lnSpc>
+                <a:spcPct val="150000"/>
+              </a:lnSpc>
+            </a:pPr>
+            <a:r>
+              <a:rPr lang="en-US" altLang="ko-KR" sz="1200" dirty="0">
+                <a:solidFill>
+                  <a:schemeClr val="tx1"/>
+                </a:solidFill>
+                <a:latin typeface="+mn-ea"/>
+              </a:rPr>
+              <a:t>"[</a:t>
+            </a:r>
+            <a:r>
+              <a:rPr lang="en-US" altLang="ko-KR" sz="1200" dirty="0" err="1">
+                <a:solidFill>
+                  <a:schemeClr val="tx1"/>
+                </a:solidFill>
+                <a:latin typeface="+mn-ea"/>
+              </a:rPr>
+              <a:t>php</a:t>
+            </a:r>
+            <a:r>
+              <a:rPr lang="en-US" altLang="ko-KR" sz="1200" dirty="0">
+                <a:solidFill>
+                  <a:schemeClr val="tx1"/>
+                </a:solidFill>
+                <a:latin typeface="+mn-ea"/>
+              </a:rPr>
+              <a:t>]": {</a:t>
+            </a:r>
+          </a:p>
+          <a:p>
+            <a:pPr lvl="2" latinLnBrk="0">
+              <a:lnSpc>
+                <a:spcPct val="150000"/>
+              </a:lnSpc>
+            </a:pPr>
+            <a:r>
+              <a:rPr lang="en-US" altLang="ko-KR" sz="1200" dirty="0">
+                <a:solidFill>
+                  <a:schemeClr val="tx1"/>
+                </a:solidFill>
+                <a:latin typeface="+mn-ea"/>
+              </a:rPr>
+              <a:t>    "</a:t>
+            </a:r>
+            <a:r>
+              <a:rPr lang="en-US" altLang="ko-KR" sz="1200" dirty="0" err="1">
+                <a:solidFill>
+                  <a:schemeClr val="tx1"/>
+                </a:solidFill>
+                <a:latin typeface="+mn-ea"/>
+              </a:rPr>
+              <a:t>editor.formatOnSave</a:t>
+            </a:r>
+            <a:r>
+              <a:rPr lang="en-US" altLang="ko-KR" sz="1200" dirty="0">
+                <a:solidFill>
+                  <a:schemeClr val="tx1"/>
+                </a:solidFill>
+                <a:latin typeface="+mn-ea"/>
+              </a:rPr>
+              <a:t>": true,</a:t>
+            </a:r>
+          </a:p>
+          <a:p>
+            <a:pPr lvl="2" latinLnBrk="0">
+              <a:lnSpc>
+                <a:spcPct val="150000"/>
+              </a:lnSpc>
+            </a:pPr>
+            <a:r>
+              <a:rPr lang="en-US" altLang="ko-KR" sz="1200" dirty="0">
+                <a:solidFill>
+                  <a:schemeClr val="tx1"/>
+                </a:solidFill>
+                <a:latin typeface="+mn-ea"/>
+              </a:rPr>
+              <a:t>    "</a:t>
+            </a:r>
+            <a:r>
+              <a:rPr lang="en-US" altLang="ko-KR" sz="1200" dirty="0" err="1">
+                <a:solidFill>
+                  <a:schemeClr val="tx1"/>
+                </a:solidFill>
+                <a:latin typeface="+mn-ea"/>
+              </a:rPr>
+              <a:t>editor.defaultFormatter</a:t>
+            </a:r>
+            <a:r>
+              <a:rPr lang="en-US" altLang="ko-KR" sz="1200" dirty="0">
+                <a:solidFill>
+                  <a:schemeClr val="tx1"/>
+                </a:solidFill>
+                <a:latin typeface="+mn-ea"/>
+              </a:rPr>
+              <a:t>": "</a:t>
+            </a:r>
+            <a:r>
+              <a:rPr lang="en-US" altLang="ko-KR" sz="1200" dirty="0" err="1">
+                <a:solidFill>
+                  <a:schemeClr val="tx1"/>
+                </a:solidFill>
+                <a:latin typeface="+mn-ea"/>
+              </a:rPr>
+              <a:t>DEVSENSE.phptools-vscode</a:t>
+            </a:r>
+            <a:r>
+              <a:rPr lang="en-US" altLang="ko-KR" sz="1200" dirty="0">
+                <a:solidFill>
+                  <a:schemeClr val="tx1"/>
+                </a:solidFill>
+                <a:latin typeface="+mn-ea"/>
+              </a:rPr>
+              <a:t>"</a:t>
+            </a:r>
+          </a:p>
+          <a:p>
+            <a:pPr lvl="2" latinLnBrk="0">
+              <a:lnSpc>
+                <a:spcPct val="150000"/>
+              </a:lnSpc>
+            </a:pPr>
+            <a:r>
+              <a:rPr lang="en-US" altLang="ko-KR" sz="1200" dirty="0">
+                <a:solidFill>
+                  <a:schemeClr val="tx1"/>
+                </a:solidFill>
+                <a:latin typeface="+mn-ea"/>
+              </a:rPr>
+              <a:t>  },</a:t>
+            </a:r>
+          </a:p>
+          <a:p>
+            <a:pPr lvl="2" latinLnBrk="0">
+              <a:lnSpc>
+                <a:spcPct val="150000"/>
+              </a:lnSpc>
+            </a:pPr>
+            <a:r>
+              <a:rPr lang="en-US" altLang="ko-KR" sz="1200" dirty="0">
+                <a:solidFill>
+                  <a:srgbClr val="FF0000"/>
+                </a:solidFill>
+                <a:latin typeface="+mn-ea"/>
+              </a:rPr>
+              <a:t>  "</a:t>
+            </a:r>
+            <a:r>
+              <a:rPr lang="en-US" altLang="ko-KR" sz="1200" dirty="0" err="1">
+                <a:solidFill>
+                  <a:srgbClr val="FF0000"/>
+                </a:solidFill>
+                <a:latin typeface="+mn-ea"/>
+              </a:rPr>
+              <a:t>php.validate.executablePath</a:t>
+            </a:r>
+            <a:r>
+              <a:rPr lang="en-US" altLang="ko-KR" sz="1200" dirty="0">
+                <a:solidFill>
+                  <a:srgbClr val="FF0000"/>
+                </a:solidFill>
+                <a:latin typeface="+mn-ea"/>
+              </a:rPr>
+              <a:t>": "C:\\php-8.2.0-nts-Win32-vs16-x64\\php.exe",</a:t>
+            </a:r>
+          </a:p>
+          <a:p>
+            <a:pPr lvl="2" latinLnBrk="0">
+              <a:lnSpc>
+                <a:spcPct val="150000"/>
+              </a:lnSpc>
+            </a:pPr>
+            <a:r>
+              <a:rPr lang="en-US" altLang="ko-KR" sz="1200" dirty="0">
+                <a:solidFill>
+                  <a:schemeClr val="tx1"/>
+                </a:solidFill>
+                <a:latin typeface="+mn-ea"/>
+              </a:rPr>
+              <a:t>  "</a:t>
+            </a:r>
+            <a:r>
+              <a:rPr lang="en-US" altLang="ko-KR" sz="1200" dirty="0" err="1">
+                <a:solidFill>
+                  <a:schemeClr val="tx1"/>
+                </a:solidFill>
+                <a:latin typeface="+mn-ea"/>
+              </a:rPr>
+              <a:t>php.validate.run</a:t>
+            </a:r>
+            <a:r>
+              <a:rPr lang="en-US" altLang="ko-KR" sz="1200" dirty="0">
+                <a:solidFill>
+                  <a:schemeClr val="tx1"/>
+                </a:solidFill>
+                <a:latin typeface="+mn-ea"/>
+              </a:rPr>
+              <a:t>": "</a:t>
+            </a:r>
+            <a:r>
+              <a:rPr lang="en-US" altLang="ko-KR" sz="1200" dirty="0" err="1">
+                <a:solidFill>
+                  <a:schemeClr val="tx1"/>
+                </a:solidFill>
+                <a:latin typeface="+mn-ea"/>
+              </a:rPr>
+              <a:t>onType</a:t>
+            </a:r>
+            <a:r>
+              <a:rPr lang="en-US" altLang="ko-KR" sz="1200" dirty="0">
+                <a:solidFill>
+                  <a:schemeClr val="tx1"/>
+                </a:solidFill>
+                <a:latin typeface="+mn-ea"/>
+              </a:rPr>
+              <a:t>",</a:t>
+            </a:r>
+          </a:p>
+          <a:p>
+            <a:pPr lvl="2" latinLnBrk="0">
+              <a:lnSpc>
+                <a:spcPct val="150000"/>
+              </a:lnSpc>
+            </a:pPr>
+            <a:r>
+              <a:rPr lang="en-US" altLang="ko-KR" sz="1200" dirty="0">
+                <a:solidFill>
+                  <a:schemeClr val="tx1"/>
+                </a:solidFill>
+                <a:latin typeface="+mn-ea"/>
+              </a:rPr>
+              <a:t>  "</a:t>
+            </a:r>
+            <a:r>
+              <a:rPr lang="en-US" altLang="ko-KR" sz="1200" dirty="0" err="1">
+                <a:solidFill>
+                  <a:schemeClr val="tx1"/>
+                </a:solidFill>
+                <a:latin typeface="+mn-ea"/>
+              </a:rPr>
+              <a:t>php.validate.enable</a:t>
+            </a:r>
+            <a:r>
+              <a:rPr lang="en-US" altLang="ko-KR" sz="1200" dirty="0">
+                <a:solidFill>
+                  <a:schemeClr val="tx1"/>
+                </a:solidFill>
+                <a:latin typeface="+mn-ea"/>
+              </a:rPr>
+              <a:t>": true,</a:t>
+            </a:r>
+            <a:endParaRPr lang="en-US" altLang="ko-KR" sz="1200" dirty="0" smtClean="0">
+              <a:solidFill>
+                <a:srgbClr val="00B0F0"/>
+              </a:solidFill>
+              <a:latin typeface="+mn-ea"/>
+            </a:endParaRPr>
+          </a:p>
+        </p:txBody>
+      </p:sp>
+    </p:spTree>
+    <p:extLst>
+      <p:ext uri="{BB962C8B-B14F-4D97-AF65-F5344CB8AC3E}">
+        <p14:creationId xmlns:p14="http://schemas.microsoft.com/office/powerpoint/2010/main" val="501462671"/>
+      </p:ext>
+    </p:extLst>
+  </p:cSld>
+  <p:clrMapOvr>
+    <a:masterClrMapping/>
+  </p:clrMapOvr>
+  <p:timing>
+    <p:tnLst>
+      <p:par>
+        <p:cTn id="1" dur="indefinite" restart="never" nodeType="tmRoot"/>
+      </p:par>
+    </p:tnLst>
+  </p:timing>
+</p:sld>
+</file>
+
+<file path=ppt/slides/slide8.xml><?xml version="1.0" encoding="utf-8"?>
+<p:sld xmlns:a="http://schemas.openxmlformats.org/drawingml/2006/main" xmlns:r="http://schemas.openxmlformats.org/officeDocument/2006/relationships" xmlns:p="http://schemas.openxmlformats.org/presentationml/2006/main">
+  <p:cSld>
+    <p:spTree>
+      <p:nvGrpSpPr>
+        <p:cNvPr id="1" name=""/>
+        <p:cNvGrpSpPr/>
+        <p:nvPr/>
+      </p:nvGrpSpPr>
+      <p:grpSpPr>
+        <a:xfrm>
+          <a:off x="0" y="0"/>
+          <a:ext cx="0" cy="0"/>
+          <a:chOff x="0" y="0"/>
+          <a:chExt cx="0" cy="0"/>
+        </a:xfrm>
+      </p:grpSpPr>
+      <p:sp>
+        <p:nvSpPr>
+          <p:cNvPr id="3" name="TextBox 2"/>
+          <p:cNvSpPr txBox="1"/>
+          <p:nvPr/>
+        </p:nvSpPr>
+        <p:spPr>
+          <a:xfrm>
+            <a:off x="548640" y="470346"/>
+            <a:ext cx="8055807" cy="461665"/>
+          </a:xfrm>
+          <a:prstGeom prst="rect">
+            <a:avLst/>
+          </a:prstGeom>
+          <a:noFill/>
+        </p:spPr>
+        <p:txBody>
+          <a:bodyPr wrap="square" rtlCol="0">
+            <a:spAutoFit/>
+          </a:bodyPr>
+          <a:lstStyle/>
+          <a:p>
+            <a:r>
+              <a:rPr lang="en-US" altLang="ko-KR" sz="2400" dirty="0" smtClean="0">
+                <a:latin typeface="+mn-ea"/>
+                <a:ea typeface="+mn-ea"/>
+              </a:rPr>
+              <a:t>PHP </a:t>
+            </a:r>
+            <a:r>
+              <a:rPr lang="ko-KR" altLang="en-US" sz="2400" dirty="0" smtClean="0">
+                <a:latin typeface="+mn-ea"/>
+                <a:ea typeface="+mn-ea"/>
+              </a:rPr>
+              <a:t>개발 환경</a:t>
+            </a:r>
+            <a:endParaRPr lang="ko-KR" altLang="en-US" sz="2400" dirty="0">
+              <a:latin typeface="+mn-ea"/>
+              <a:ea typeface="+mn-ea"/>
+            </a:endParaRPr>
+          </a:p>
+        </p:txBody>
+      </p:sp>
+      <p:pic>
+        <p:nvPicPr>
+          <p:cNvPr id="2" name="그림 1"/>
+          <p:cNvPicPr>
+            <a:picLocks noChangeAspect="1"/>
+          </p:cNvPicPr>
+          <p:nvPr/>
+        </p:nvPicPr>
+        <p:blipFill>
+          <a:blip r:embed="rId2" cstate="print">
+            <a:extLst>
+              <a:ext uri="{28A0092B-C50C-407E-A947-70E740481C1C}">
+                <a14:useLocalDpi xmlns:a14="http://schemas.microsoft.com/office/drawing/2010/main" val="0"/>
+              </a:ext>
+            </a:extLst>
+          </a:blip>
+          <a:stretch>
+            <a:fillRect/>
+          </a:stretch>
+        </p:blipFill>
+        <p:spPr>
+          <a:xfrm>
+            <a:off x="7596744" y="2925352"/>
+            <a:ext cx="71600" cy="71600"/>
+          </a:xfrm>
+          <a:prstGeom prst="rect">
+            <a:avLst/>
+          </a:prstGeom>
+        </p:spPr>
+      </p:pic>
+      <p:sp>
+        <p:nvSpPr>
+          <p:cNvPr id="5" name="모서리가 둥근 직사각형 4"/>
+          <p:cNvSpPr/>
+          <p:nvPr/>
+        </p:nvSpPr>
+        <p:spPr>
+          <a:xfrm>
+            <a:off x="439982" y="1251508"/>
+            <a:ext cx="8164465" cy="5345844"/>
+          </a:xfrm>
+          <a:prstGeom prst="roundRect">
+            <a:avLst>
+              <a:gd name="adj" fmla="val 8134"/>
+            </a:avLst>
+          </a:prstGeom>
+          <a:ln/>
+        </p:spPr>
+        <p:style>
+          <a:lnRef idx="2">
+            <a:schemeClr val="accent1"/>
+          </a:lnRef>
+          <a:fillRef idx="1">
+            <a:schemeClr val="lt1"/>
+          </a:fillRef>
+          <a:effectRef idx="0">
+            <a:schemeClr val="accent1"/>
+          </a:effectRef>
+          <a:fontRef idx="minor">
+            <a:schemeClr val="dk1"/>
+          </a:fontRef>
+        </p:style>
+        <p:txBody>
+          <a:bodyPr rtlCol="0" anchor="t"/>
+          <a:lstStyle/>
+          <a:p>
+            <a:pPr marL="285750" indent="-285750">
+              <a:lnSpc>
+                <a:spcPct val="150000"/>
+              </a:lnSpc>
+              <a:buFont typeface="Wingdings" panose="05000000000000000000" pitchFamily="2" charset="2"/>
+              <a:buChar char="Ø"/>
+            </a:pPr>
+            <a:r>
+              <a:rPr lang="en-US" altLang="ko-KR" sz="2000" dirty="0" smtClean="0">
+                <a:solidFill>
+                  <a:srgbClr val="0000FF"/>
+                </a:solidFill>
+                <a:latin typeface="+mn-ea"/>
+              </a:rPr>
+              <a:t>VS </a:t>
+            </a:r>
+            <a:r>
+              <a:rPr lang="en-US" altLang="ko-KR" sz="2000" smtClean="0">
+                <a:solidFill>
+                  <a:srgbClr val="0000FF"/>
+                </a:solidFill>
+                <a:latin typeface="+mn-ea"/>
+              </a:rPr>
+              <a:t>Code Extensions</a:t>
+            </a:r>
+            <a:endParaRPr lang="en-US" altLang="ko-KR" sz="2000" dirty="0" smtClean="0">
+              <a:solidFill>
+                <a:srgbClr val="0000FF"/>
+              </a:solidFill>
+              <a:latin typeface="+mn-ea"/>
+            </a:endParaRPr>
+          </a:p>
+          <a:p>
+            <a:pPr marL="742950" lvl="1" indent="-285750" latinLnBrk="0">
+              <a:lnSpc>
+                <a:spcPct val="150000"/>
+              </a:lnSpc>
+              <a:buFont typeface="Arial" panose="020B0604020202020204" pitchFamily="34" charset="0"/>
+              <a:buChar char="•"/>
+            </a:pPr>
+            <a:r>
+              <a:rPr lang="en-US" altLang="ko-KR" sz="1600" b="1" dirty="0" smtClean="0">
+                <a:latin typeface="+mj-ea"/>
+                <a:ea typeface="+mj-ea"/>
+              </a:rPr>
+              <a:t>PHP</a:t>
+            </a:r>
+            <a:endParaRPr lang="en-US" altLang="ko-KR" sz="1600" dirty="0" smtClean="0">
+              <a:latin typeface="+mj-ea"/>
+              <a:ea typeface="+mj-ea"/>
+            </a:endParaRPr>
+          </a:p>
+          <a:p>
+            <a:pPr marL="1200150" lvl="2" indent="-285750" latinLnBrk="0">
+              <a:lnSpc>
+                <a:spcPct val="150000"/>
+              </a:lnSpc>
+              <a:buFont typeface="Wingdings" panose="05000000000000000000" pitchFamily="2" charset="2"/>
+              <a:buChar char="ü"/>
+            </a:pPr>
+            <a:r>
+              <a:rPr lang="en-US" altLang="ko-KR" sz="1400" dirty="0">
+                <a:solidFill>
+                  <a:schemeClr val="tx1"/>
+                </a:solidFill>
+                <a:latin typeface="+mn-ea"/>
+              </a:rPr>
+              <a:t>PHP Tools for VS Code is a full development integration for the PHP language. The features are provided respecting conventions, stability, simple use, and performance. Please see the product page for more details on devsense.com</a:t>
+            </a:r>
+            <a:r>
+              <a:rPr lang="en-US" altLang="ko-KR" sz="1400" dirty="0" smtClean="0">
+                <a:solidFill>
+                  <a:schemeClr val="tx1"/>
+                </a:solidFill>
+                <a:latin typeface="+mn-ea"/>
+              </a:rPr>
+              <a:t>.</a:t>
+            </a:r>
+          </a:p>
+          <a:p>
+            <a:pPr marL="1200150" lvl="2" indent="-285750" latinLnBrk="0">
+              <a:lnSpc>
+                <a:spcPct val="150000"/>
+              </a:lnSpc>
+              <a:buFont typeface="Wingdings" panose="05000000000000000000" pitchFamily="2" charset="2"/>
+              <a:buChar char="ü"/>
+            </a:pPr>
+            <a:endParaRPr lang="en-US" altLang="ko-KR" sz="1400" dirty="0">
+              <a:solidFill>
+                <a:schemeClr val="tx1"/>
+              </a:solidFill>
+              <a:latin typeface="+mn-ea"/>
+            </a:endParaRPr>
+          </a:p>
+          <a:p>
+            <a:pPr marL="1200150" lvl="2" indent="-285750" latinLnBrk="0">
+              <a:lnSpc>
+                <a:spcPct val="150000"/>
+              </a:lnSpc>
+              <a:buFont typeface="Wingdings" panose="05000000000000000000" pitchFamily="2" charset="2"/>
+              <a:buChar char="ü"/>
+            </a:pPr>
+            <a:r>
+              <a:rPr lang="en-US" altLang="ko-KR" sz="1400" dirty="0">
+                <a:solidFill>
+                  <a:srgbClr val="00B0F0"/>
+                </a:solidFill>
+              </a:rPr>
+              <a:t>All-in-One PHP support - PHP Tools. IntelliSense, Debug, Formatter, Code Lenses, Code Fixes, </a:t>
+            </a:r>
+            <a:r>
+              <a:rPr lang="en-US" altLang="ko-KR" sz="1400" dirty="0" err="1">
+                <a:solidFill>
+                  <a:srgbClr val="00B0F0"/>
+                </a:solidFill>
+              </a:rPr>
+              <a:t>Linting</a:t>
+            </a:r>
+            <a:r>
+              <a:rPr lang="en-US" altLang="ko-KR" sz="1400" dirty="0">
+                <a:solidFill>
+                  <a:srgbClr val="00B0F0"/>
+                </a:solidFill>
+              </a:rPr>
+              <a:t>, Refactoring, </a:t>
+            </a:r>
+            <a:r>
+              <a:rPr lang="en-US" altLang="ko-KR" sz="1400" dirty="0" err="1">
+                <a:solidFill>
+                  <a:srgbClr val="00B0F0"/>
+                </a:solidFill>
+              </a:rPr>
+              <a:t>PHPUnit</a:t>
+            </a:r>
+            <a:r>
+              <a:rPr lang="en-US" altLang="ko-KR" sz="1400" dirty="0">
+                <a:solidFill>
+                  <a:srgbClr val="00B0F0"/>
+                </a:solidFill>
+              </a:rPr>
+              <a:t> Tests, Web Server, and more.</a:t>
+            </a:r>
+            <a:endParaRPr lang="en-US" altLang="ko-KR" sz="1400" dirty="0" smtClean="0">
+              <a:solidFill>
+                <a:srgbClr val="00B0F0"/>
+              </a:solidFill>
+              <a:latin typeface="+mn-ea"/>
+            </a:endParaRPr>
+          </a:p>
+        </p:txBody>
+      </p:sp>
+    </p:spTree>
+    <p:extLst>
+      <p:ext uri="{BB962C8B-B14F-4D97-AF65-F5344CB8AC3E}">
+        <p14:creationId xmlns:p14="http://schemas.microsoft.com/office/powerpoint/2010/main" val="4122684639"/>
+      </p:ext>
+    </p:extLst>
+  </p:cSld>
+  <p:clrMapOvr>
+    <a:masterClrMapping/>
+  </p:clrMapOvr>
+  <p:timing>
+    <p:tnLst>
+      <p:par>
+        <p:cTn id="1" dur="indefinite" restart="never" nodeType="tmRoot"/>
+      </p:par>
+    </p:tnLst>
+  </p:timing>
+</p:sld>
+</file>
+
+<file path=ppt/slides/slide9.xml><?xml version="1.0" encoding="utf-8"?>
+<p:sld xmlns:a="http://schemas.openxmlformats.org/drawingml/2006/main" xmlns:r="http://schemas.openxmlformats.org/officeDocument/2006/relationships" xmlns:p="http://schemas.openxmlformats.org/presentationml/2006/main">
+  <p:cSld>
+    <p:spTree>
+      <p:nvGrpSpPr>
+        <p:cNvPr id="1" name=""/>
+        <p:cNvGrpSpPr/>
+        <p:nvPr/>
+      </p:nvGrpSpPr>
+      <p:grpSpPr>
+        <a:xfrm>
+          <a:off x="0" y="0"/>
+          <a:ext cx="0" cy="0"/>
+          <a:chOff x="0" y="0"/>
+          <a:chExt cx="0" cy="0"/>
+        </a:xfrm>
+      </p:grpSpPr>
+      <p:sp>
+        <p:nvSpPr>
+          <p:cNvPr id="3" name="TextBox 2"/>
+          <p:cNvSpPr txBox="1"/>
+          <p:nvPr/>
+        </p:nvSpPr>
+        <p:spPr>
+          <a:xfrm>
+            <a:off x="548640" y="470346"/>
+            <a:ext cx="8055807" cy="461665"/>
+          </a:xfrm>
+          <a:prstGeom prst="rect">
+            <a:avLst/>
+          </a:prstGeom>
+          <a:noFill/>
+        </p:spPr>
+        <p:txBody>
+          <a:bodyPr wrap="square" rtlCol="0">
+            <a:spAutoFit/>
+          </a:bodyPr>
+          <a:lstStyle/>
+          <a:p>
+            <a:r>
+              <a:rPr lang="en-US" altLang="ko-KR" sz="2400" dirty="0" smtClean="0">
+                <a:latin typeface="+mn-ea"/>
+                <a:ea typeface="+mn-ea"/>
+              </a:rPr>
+              <a:t>PHP </a:t>
+            </a:r>
+            <a:r>
+              <a:rPr lang="ko-KR" altLang="en-US" sz="2400" dirty="0" smtClean="0">
+                <a:latin typeface="+mn-ea"/>
+                <a:ea typeface="+mn-ea"/>
+              </a:rPr>
+              <a:t>개발 환경</a:t>
+            </a:r>
+            <a:endParaRPr lang="ko-KR" altLang="en-US" sz="2400" dirty="0">
+              <a:latin typeface="+mn-ea"/>
+              <a:ea typeface="+mn-ea"/>
+            </a:endParaRPr>
+          </a:p>
+        </p:txBody>
+      </p:sp>
+      <p:pic>
+        <p:nvPicPr>
+          <p:cNvPr id="2" name="그림 1"/>
+          <p:cNvPicPr>
+            <a:picLocks noChangeAspect="1"/>
+          </p:cNvPicPr>
+          <p:nvPr/>
+        </p:nvPicPr>
+        <p:blipFill>
+          <a:blip r:embed="rId2" cstate="print">
+            <a:extLst>
+              <a:ext uri="{28A0092B-C50C-407E-A947-70E740481C1C}">
+                <a14:useLocalDpi xmlns:a14="http://schemas.microsoft.com/office/drawing/2010/main" val="0"/>
+              </a:ext>
+            </a:extLst>
+          </a:blip>
+          <a:stretch>
+            <a:fillRect/>
+          </a:stretch>
+        </p:blipFill>
+        <p:spPr>
+          <a:xfrm>
+            <a:off x="7596744" y="2925352"/>
+            <a:ext cx="71600" cy="71600"/>
+          </a:xfrm>
+          <a:prstGeom prst="rect">
+            <a:avLst/>
+          </a:prstGeom>
+        </p:spPr>
+      </p:pic>
+      <p:sp>
+        <p:nvSpPr>
+          <p:cNvPr id="5" name="모서리가 둥근 직사각형 4"/>
+          <p:cNvSpPr/>
+          <p:nvPr/>
+        </p:nvSpPr>
+        <p:spPr>
+          <a:xfrm>
+            <a:off x="439982" y="1251508"/>
+            <a:ext cx="8164465" cy="5345844"/>
+          </a:xfrm>
+          <a:prstGeom prst="roundRect">
+            <a:avLst>
+              <a:gd name="adj" fmla="val 8134"/>
+            </a:avLst>
+          </a:prstGeom>
+          <a:ln/>
+        </p:spPr>
+        <p:style>
+          <a:lnRef idx="2">
+            <a:schemeClr val="accent1"/>
+          </a:lnRef>
+          <a:fillRef idx="1">
+            <a:schemeClr val="lt1"/>
+          </a:fillRef>
+          <a:effectRef idx="0">
+            <a:schemeClr val="accent1"/>
+          </a:effectRef>
+          <a:fontRef idx="minor">
+            <a:schemeClr val="dk1"/>
+          </a:fontRef>
+        </p:style>
+        <p:txBody>
+          <a:bodyPr rtlCol="0" anchor="t"/>
+          <a:lstStyle/>
+          <a:p>
+            <a:pPr marL="285750" indent="-285750">
+              <a:lnSpc>
+                <a:spcPct val="150000"/>
+              </a:lnSpc>
+              <a:buFont typeface="Wingdings" panose="05000000000000000000" pitchFamily="2" charset="2"/>
+              <a:buChar char="Ø"/>
+            </a:pPr>
+            <a:r>
+              <a:rPr lang="en-US" altLang="ko-KR" sz="2000" dirty="0" smtClean="0">
+                <a:solidFill>
+                  <a:srgbClr val="0000FF"/>
+                </a:solidFill>
+                <a:latin typeface="+mn-ea"/>
+              </a:rPr>
+              <a:t>VS Code Extension</a:t>
+            </a:r>
+            <a:endParaRPr lang="en-US" altLang="ko-KR" sz="2000" dirty="0" smtClean="0">
+              <a:solidFill>
+                <a:srgbClr val="0000FF"/>
+              </a:solidFill>
+              <a:latin typeface="+mn-ea"/>
+            </a:endParaRPr>
+          </a:p>
+          <a:p>
+            <a:pPr marL="742950" lvl="1" indent="-285750" latinLnBrk="0">
+              <a:lnSpc>
+                <a:spcPct val="150000"/>
+              </a:lnSpc>
+              <a:buFont typeface="Arial" panose="020B0604020202020204" pitchFamily="34" charset="0"/>
+              <a:buChar char="•"/>
+            </a:pPr>
+            <a:r>
+              <a:rPr lang="en-US" altLang="ko-KR" sz="1600" b="1" dirty="0" smtClean="0">
+                <a:latin typeface="+mj-ea"/>
+                <a:ea typeface="+mj-ea"/>
+              </a:rPr>
+              <a:t>Debug</a:t>
+            </a:r>
+            <a:endParaRPr lang="en-US" altLang="ko-KR" sz="1600" dirty="0" smtClean="0">
+              <a:latin typeface="+mj-ea"/>
+              <a:ea typeface="+mj-ea"/>
+            </a:endParaRPr>
+          </a:p>
+          <a:p>
+            <a:pPr marL="1200150" lvl="2" indent="-285750" latinLnBrk="0">
+              <a:lnSpc>
+                <a:spcPct val="150000"/>
+              </a:lnSpc>
+              <a:buFont typeface="Wingdings" panose="05000000000000000000" pitchFamily="2" charset="2"/>
+              <a:buChar char="ü"/>
+            </a:pPr>
+            <a:r>
+              <a:rPr lang="en-US" altLang="ko-KR" sz="1200" dirty="0" smtClean="0">
+                <a:solidFill>
+                  <a:schemeClr val="tx1"/>
+                </a:solidFill>
+                <a:latin typeface="+mn-ea"/>
+              </a:rPr>
+              <a:t>Launch built-in server and debug</a:t>
+            </a:r>
+          </a:p>
+          <a:p>
+            <a:pPr marL="1200150" lvl="2" indent="-285750" latinLnBrk="0">
+              <a:lnSpc>
+                <a:spcPct val="150000"/>
+              </a:lnSpc>
+              <a:buFont typeface="Wingdings" panose="05000000000000000000" pitchFamily="2" charset="2"/>
+              <a:buChar char="ü"/>
+            </a:pPr>
+            <a:r>
+              <a:rPr lang="en-US" altLang="ko-KR" sz="1200" dirty="0" smtClean="0">
+                <a:solidFill>
+                  <a:schemeClr val="tx1"/>
+                </a:solidFill>
+                <a:latin typeface="+mn-ea"/>
+              </a:rPr>
+              <a:t>F5</a:t>
+            </a:r>
+          </a:p>
+          <a:p>
+            <a:pPr marL="1200150" lvl="2" indent="-285750" latinLnBrk="0">
+              <a:lnSpc>
+                <a:spcPct val="150000"/>
+              </a:lnSpc>
+              <a:buFont typeface="Wingdings" panose="05000000000000000000" pitchFamily="2" charset="2"/>
+              <a:buChar char="ü"/>
+            </a:pPr>
+            <a:r>
+              <a:rPr lang="en-US" altLang="ko-KR" sz="1200" dirty="0" smtClean="0">
+                <a:solidFill>
+                  <a:schemeClr val="tx1"/>
+                </a:solidFill>
+                <a:latin typeface="+mn-ea"/>
+                <a:hlinkClick r:id="rId3"/>
+              </a:rPr>
+              <a:t>http://localhost:10000</a:t>
+            </a:r>
+            <a:endParaRPr lang="en-US" altLang="ko-KR" sz="1200" dirty="0" smtClean="0">
+              <a:solidFill>
+                <a:schemeClr val="tx1"/>
+              </a:solidFill>
+              <a:latin typeface="+mn-ea"/>
+            </a:endParaRPr>
+          </a:p>
+          <a:p>
+            <a:pPr marL="1200150" lvl="2" indent="-285750" latinLnBrk="0">
+              <a:lnSpc>
+                <a:spcPct val="150000"/>
+              </a:lnSpc>
+              <a:buFont typeface="Wingdings" panose="05000000000000000000" pitchFamily="2" charset="2"/>
+              <a:buChar char="ü"/>
+            </a:pPr>
+            <a:endParaRPr lang="en-US" altLang="ko-KR" sz="1400" dirty="0">
+              <a:solidFill>
+                <a:schemeClr val="tx1"/>
+              </a:solidFill>
+              <a:latin typeface="+mn-ea"/>
+            </a:endParaRPr>
+          </a:p>
+          <a:p>
+            <a:pPr marL="1200150" lvl="2" indent="-285750" latinLnBrk="0">
+              <a:lnSpc>
+                <a:spcPct val="150000"/>
+              </a:lnSpc>
+              <a:buFont typeface="Wingdings" panose="05000000000000000000" pitchFamily="2" charset="2"/>
+              <a:buChar char="ü"/>
+            </a:pPr>
+            <a:endParaRPr lang="en-US" altLang="ko-KR" sz="1400" dirty="0" smtClean="0">
+              <a:solidFill>
+                <a:srgbClr val="00B0F0"/>
+              </a:solidFill>
+              <a:latin typeface="+mn-ea"/>
+            </a:endParaRPr>
+          </a:p>
+        </p:txBody>
+      </p:sp>
+      <p:pic>
+        <p:nvPicPr>
+          <p:cNvPr id="4" name="그림 3"/>
+          <p:cNvPicPr>
+            <a:picLocks noChangeAspect="1"/>
+          </p:cNvPicPr>
+          <p:nvPr/>
+        </p:nvPicPr>
+        <p:blipFill>
+          <a:blip r:embed="rId4"/>
+          <a:stretch>
+            <a:fillRect/>
+          </a:stretch>
+        </p:blipFill>
+        <p:spPr>
+          <a:xfrm>
+            <a:off x="2232868" y="3301641"/>
+            <a:ext cx="4678264" cy="3079687"/>
+          </a:xfrm>
+          <a:prstGeom prst="rect">
+            <a:avLst/>
+          </a:prstGeom>
+        </p:spPr>
+      </p:pic>
+    </p:spTree>
+    <p:extLst>
+      <p:ext uri="{BB962C8B-B14F-4D97-AF65-F5344CB8AC3E}">
+        <p14:creationId xmlns:p14="http://schemas.microsoft.com/office/powerpoint/2010/main" val="1941377975"/>
       </p:ext>
     </p:extLst>
   </p:cSld>

--- a/Back-End/PHP/PHP 시작하기.pptx
+++ b/Back-End/PHP/PHP 시작하기.pptx
@@ -252,7 +252,7 @@
           <a:p>
             <a:fld id="{0701E38F-D71B-4628-B377-F26FA834EB07}" type="datetimeFigureOut">
               <a:rPr lang="ko-KR" altLang="en-US" smtClean="0"/>
-              <a:t>2022-12-21</a:t>
+              <a:t>2024-09-24</a:t>
             </a:fld>
             <a:endParaRPr lang="ko-KR" altLang="en-US"/>
           </a:p>
@@ -418,7 +418,7 @@
             <a:fld id="{BC75A1C1-99F9-4ED1-B968-97F8F766565C}" type="datetimeFigureOut">
               <a:rPr lang="ko-KR" altLang="en-US" smtClean="0"/>
               <a:pPr/>
-              <a:t>2022-12-21</a:t>
+              <a:t>2024-09-24</a:t>
             </a:fld>
             <a:endParaRPr lang="ko-KR" altLang="en-US"/>
           </a:p>
@@ -4798,16 +4798,16 @@
               <a:t> </a:t>
             </a:r>
             <a:r>
-              <a:rPr lang="ko-KR" altLang="en-US" sz="1600" dirty="0">
+              <a:rPr lang="ko-KR" altLang="en-US" sz="1600">
                 <a:latin typeface="+mn-ea"/>
               </a:rPr>
               <a:t>프로세스가 </a:t>
             </a:r>
             <a:r>
-              <a:rPr lang="ko-KR" altLang="en-US" sz="1600" dirty="0" err="1">
-                <a:latin typeface="+mn-ea"/>
-              </a:rPr>
-              <a:t>블로킹된다</a:t>
+              <a:rPr lang="ko-KR" altLang="en-US" sz="1600" smtClean="0">
+                <a:latin typeface="+mn-ea"/>
+              </a:rPr>
+              <a:t>블로킹 된다</a:t>
             </a:r>
             <a:r>
               <a:rPr lang="en-US" altLang="ko-KR" sz="1600" dirty="0">
@@ -4888,106 +4888,106 @@
               <a:t>연결은 </a:t>
             </a:r>
             <a:r>
+              <a:rPr lang="ko-KR" altLang="en-US" sz="1600" dirty="0" smtClean="0">
+                <a:latin typeface="+mn-ea"/>
+              </a:rPr>
+              <a:t>소켓 통신에 </a:t>
+            </a:r>
+            <a:r>
+              <a:rPr lang="ko-KR" altLang="en-US" sz="1600" dirty="0">
+                <a:latin typeface="+mn-ea"/>
+              </a:rPr>
+              <a:t>의존하는데 프로세스 하나당 </a:t>
+            </a:r>
+            <a:r>
               <a:rPr lang="ko-KR" altLang="en-US" sz="1600" dirty="0" err="1">
                 <a:latin typeface="+mn-ea"/>
               </a:rPr>
-              <a:t>소켓통신에</a:t>
+              <a:t>아이피</a:t>
+            </a:r>
+            <a:r>
+              <a:rPr lang="en-US" altLang="ko-KR" sz="1600" dirty="0">
+                <a:latin typeface="+mn-ea"/>
+              </a:rPr>
+              <a:t>:</a:t>
             </a:r>
             <a:r>
               <a:rPr lang="ko-KR" altLang="en-US" sz="1600" dirty="0">
                 <a:latin typeface="+mn-ea"/>
               </a:rPr>
-              <a:t> 의존하는데 프로세스 하나당 </a:t>
+              <a:t>포트 하나만 </a:t>
+            </a:r>
+            <a:r>
+              <a:rPr lang="ko-KR" altLang="en-US" sz="1600" dirty="0" smtClean="0">
+                <a:latin typeface="+mn-ea"/>
+              </a:rPr>
+              <a:t>매핑 가능 </a:t>
+            </a:r>
+            <a:r>
+              <a:rPr lang="ko-KR" altLang="en-US" sz="1600" dirty="0">
+                <a:latin typeface="+mn-ea"/>
+              </a:rPr>
+              <a:t>하게 되어있으므로 포트 대역은 기껏 해봐야 </a:t>
+            </a:r>
+            <a:r>
+              <a:rPr lang="en-US" altLang="ko-KR" sz="1600" dirty="0">
+                <a:latin typeface="+mn-ea"/>
+              </a:rPr>
+              <a:t>65535</a:t>
+            </a:r>
+            <a:r>
+              <a:rPr lang="ko-KR" altLang="en-US" sz="1600" dirty="0">
+                <a:latin typeface="+mn-ea"/>
+              </a:rPr>
+              <a:t>개 인데 시스템 포트 </a:t>
+            </a:r>
+            <a:r>
+              <a:rPr lang="en-US" altLang="ko-KR" sz="1600" dirty="0">
+                <a:latin typeface="+mn-ea"/>
+              </a:rPr>
+              <a:t>1024</a:t>
+            </a:r>
+            <a:r>
+              <a:rPr lang="ko-KR" altLang="en-US" sz="1600" dirty="0">
+                <a:latin typeface="+mn-ea"/>
+              </a:rPr>
+              <a:t>개를 제외하면 </a:t>
             </a:r>
             <a:r>
               <a:rPr lang="ko-KR" altLang="en-US" sz="1600" dirty="0" err="1">
                 <a:latin typeface="+mn-ea"/>
               </a:rPr>
-              <a:t>아이피</a:t>
+              <a:t>동접자</a:t>
+            </a:r>
+            <a:r>
+              <a:rPr lang="ko-KR" altLang="en-US" sz="1600" dirty="0">
+                <a:latin typeface="+mn-ea"/>
+              </a:rPr>
+              <a:t> </a:t>
             </a:r>
             <a:r>
               <a:rPr lang="en-US" altLang="ko-KR" sz="1600" dirty="0">
                 <a:latin typeface="+mn-ea"/>
               </a:rPr>
-              <a:t>:</a:t>
+              <a:t>6</a:t>
+            </a:r>
+            <a:r>
+              <a:rPr lang="ko-KR" altLang="en-US" sz="1600" dirty="0" smtClean="0">
+                <a:latin typeface="+mn-ea"/>
+              </a:rPr>
+              <a:t>만 언저리가 </a:t>
             </a:r>
             <a:r>
               <a:rPr lang="ko-KR" altLang="en-US" sz="1600" dirty="0">
                 <a:latin typeface="+mn-ea"/>
               </a:rPr>
-              <a:t>포트 하나만 </a:t>
-            </a:r>
-            <a:r>
-              <a:rPr lang="ko-KR" altLang="en-US" sz="1600" dirty="0" err="1">
-                <a:latin typeface="+mn-ea"/>
-              </a:rPr>
-              <a:t>매핑가능</a:t>
-            </a:r>
-            <a:r>
-              <a:rPr lang="ko-KR" altLang="en-US" sz="1600" dirty="0">
-                <a:latin typeface="+mn-ea"/>
-              </a:rPr>
-              <a:t> 하게 되어있으므로 포트 대역은 기껏 해봐야 </a:t>
-            </a:r>
-            <a:r>
-              <a:rPr lang="en-US" altLang="ko-KR" sz="1600" dirty="0">
-                <a:latin typeface="+mn-ea"/>
-              </a:rPr>
-              <a:t>65535</a:t>
-            </a:r>
-            <a:r>
-              <a:rPr lang="ko-KR" altLang="en-US" sz="1600" dirty="0">
-                <a:latin typeface="+mn-ea"/>
-              </a:rPr>
-              <a:t>개 인데 시스템 포트 </a:t>
-            </a:r>
-            <a:r>
-              <a:rPr lang="en-US" altLang="ko-KR" sz="1600" dirty="0">
-                <a:latin typeface="+mn-ea"/>
-              </a:rPr>
-              <a:t>1024</a:t>
-            </a:r>
-            <a:r>
-              <a:rPr lang="ko-KR" altLang="en-US" sz="1600" dirty="0">
-                <a:latin typeface="+mn-ea"/>
-              </a:rPr>
-              <a:t>개를 제외하면 </a:t>
-            </a:r>
-            <a:r>
-              <a:rPr lang="ko-KR" altLang="en-US" sz="1600" dirty="0" err="1">
-                <a:latin typeface="+mn-ea"/>
-              </a:rPr>
-              <a:t>동접자</a:t>
-            </a:r>
-            <a:r>
-              <a:rPr lang="ko-KR" altLang="en-US" sz="1600" dirty="0">
-                <a:latin typeface="+mn-ea"/>
-              </a:rPr>
-              <a:t> </a:t>
-            </a:r>
-            <a:r>
-              <a:rPr lang="en-US" altLang="ko-KR" sz="1600" dirty="0">
-                <a:latin typeface="+mn-ea"/>
-              </a:rPr>
-              <a:t>6</a:t>
-            </a:r>
-            <a:r>
-              <a:rPr lang="ko-KR" altLang="en-US" sz="1600" dirty="0" err="1">
-                <a:latin typeface="+mn-ea"/>
-              </a:rPr>
-              <a:t>만언저리가</a:t>
-            </a:r>
-            <a:r>
-              <a:rPr lang="ko-KR" altLang="en-US" sz="1600" dirty="0">
-                <a:latin typeface="+mn-ea"/>
-              </a:rPr>
-              <a:t> 한계이므로 한도를 초과하면 웹사이트가 </a:t>
-            </a:r>
-            <a:r>
-              <a:rPr lang="ko-KR" altLang="en-US" sz="1600" dirty="0" err="1">
-                <a:latin typeface="+mn-ea"/>
-              </a:rPr>
-              <a:t>터지게된다</a:t>
+              <a:t>한계이므로 한도를 초과하면 웹사이트가 </a:t>
+            </a:r>
+            <a:r>
+              <a:rPr lang="ko-KR" altLang="en-US" sz="1600" dirty="0" smtClean="0">
+                <a:latin typeface="+mn-ea"/>
+              </a:rPr>
+              <a:t>터지게 된다</a:t>
             </a:r>
             <a:r>
               <a:rPr lang="en-US" altLang="ko-KR" sz="1600" dirty="0" smtClean="0">
@@ -5011,25 +5011,37 @@
               <a:t>대안으로 </a:t>
             </a:r>
             <a:r>
-              <a:rPr lang="ko-KR" altLang="en-US" sz="1600" dirty="0" err="1">
-                <a:latin typeface="+mn-ea"/>
-              </a:rPr>
-              <a:t>로드벨런싱과</a:t>
+              <a:rPr lang="ko-KR" altLang="en-US" sz="1600" dirty="0" smtClean="0">
+                <a:latin typeface="+mn-ea"/>
+              </a:rPr>
+              <a:t>로드 </a:t>
+            </a:r>
+            <a:r>
+              <a:rPr lang="ko-KR" altLang="en-US" sz="1600" dirty="0" err="1" smtClean="0">
+                <a:latin typeface="+mn-ea"/>
+              </a:rPr>
+              <a:t>벨런싱과</a:t>
+            </a:r>
+            <a:r>
+              <a:rPr lang="ko-KR" altLang="en-US" sz="1600" dirty="0" smtClean="0">
+                <a:latin typeface="+mn-ea"/>
+              </a:rPr>
+              <a:t> </a:t>
             </a:r>
             <a:r>
               <a:rPr lang="ko-KR" altLang="en-US" sz="1600" dirty="0">
                 <a:latin typeface="+mn-ea"/>
               </a:rPr>
-              <a:t> 후술하는 복수의 프로세스를 </a:t>
-            </a:r>
-            <a:r>
-              <a:rPr lang="ko-KR" altLang="en-US" sz="1600" dirty="0" err="1">
-                <a:latin typeface="+mn-ea"/>
-              </a:rPr>
-              <a:t>사용하면된다</a:t>
-            </a:r>
-            <a:r>
-              <a:rPr lang="en-US" altLang="ko-KR" sz="1600" dirty="0">
+              <a:t>후술하는 복수의 프로세스를 </a:t>
+            </a:r>
+            <a:r>
+              <a:rPr lang="ko-KR" altLang="en-US" sz="1600" dirty="0" smtClean="0">
+                <a:latin typeface="+mn-ea"/>
+              </a:rPr>
+              <a:t>사용하면 된다</a:t>
+            </a:r>
+            <a:r>
+              <a:rPr lang="en-US" altLang="ko-KR" sz="1600" dirty="0" smtClean="0">
                 <a:latin typeface="+mn-ea"/>
               </a:rPr>
               <a:t>.</a:t>
@@ -6014,9 +6026,6 @@
               </a:rPr>
               <a:t>php.ini</a:t>
             </a:r>
-            <a:endParaRPr lang="en-US" altLang="ko-KR" sz="1600" dirty="0" smtClean="0">
-              <a:latin typeface="+mn-ea"/>
-            </a:endParaRPr>
           </a:p>
           <a:p>
             <a:pPr marL="1200150" lvl="2" indent="-285750" latinLnBrk="0">
@@ -7122,12 +7131,6 @@
               </a:rPr>
               <a:t>VS Code Extension</a:t>
             </a:r>
-            <a:endParaRPr lang="en-US" altLang="ko-KR" sz="2000" dirty="0" smtClean="0">
-              <a:solidFill>
-                <a:srgbClr val="0000FF"/>
-              </a:solidFill>
-              <a:latin typeface="+mn-ea"/>
-            </a:endParaRPr>
           </a:p>
           <a:p>
             <a:pPr marL="742950" lvl="1" indent="-285750" latinLnBrk="0">
